--- a/Offline/BusinessManagement/Teach_Tech@anodiam/AI_Robotics/AI for Everyone/AI in General.pptx
+++ b/Offline/BusinessManagement/Teach_Tech@anodiam/AI_Robotics/AI for Everyone/AI in General.pptx
@@ -211,7 +211,7 @@
           <a:p>
             <a:fld id="{B8E450D8-3D4F-4317-A537-B3C7A3C5EF99}" type="datetimeFigureOut">
               <a:rPr lang="en-AU" smtClean="0"/>
-              <a:t>13/09/2023</a:t>
+              <a:t>15/09/2023</a:t>
             </a:fld>
             <a:endParaRPr lang="en-AU"/>
           </a:p>
@@ -610,7 +610,7 @@
           <a:p>
             <a:fld id="{09F20D40-57F7-45BB-8884-85123E4C70DB}" type="datetimeFigureOut">
               <a:rPr lang="en-AU" smtClean="0"/>
-              <a:t>13/09/2023</a:t>
+              <a:t>15/09/2023</a:t>
             </a:fld>
             <a:endParaRPr lang="en-AU"/>
           </a:p>
@@ -780,7 +780,7 @@
           <a:p>
             <a:fld id="{09F20D40-57F7-45BB-8884-85123E4C70DB}" type="datetimeFigureOut">
               <a:rPr lang="en-AU" smtClean="0"/>
-              <a:t>13/09/2023</a:t>
+              <a:t>15/09/2023</a:t>
             </a:fld>
             <a:endParaRPr lang="en-AU"/>
           </a:p>
@@ -960,7 +960,7 @@
           <a:p>
             <a:fld id="{09F20D40-57F7-45BB-8884-85123E4C70DB}" type="datetimeFigureOut">
               <a:rPr lang="en-AU" smtClean="0"/>
-              <a:t>13/09/2023</a:t>
+              <a:t>15/09/2023</a:t>
             </a:fld>
             <a:endParaRPr lang="en-AU"/>
           </a:p>
@@ -1130,7 +1130,7 @@
           <a:p>
             <a:fld id="{09F20D40-57F7-45BB-8884-85123E4C70DB}" type="datetimeFigureOut">
               <a:rPr lang="en-AU" smtClean="0"/>
-              <a:t>13/09/2023</a:t>
+              <a:t>15/09/2023</a:t>
             </a:fld>
             <a:endParaRPr lang="en-AU"/>
           </a:p>
@@ -1376,7 +1376,7 @@
           <a:p>
             <a:fld id="{09F20D40-57F7-45BB-8884-85123E4C70DB}" type="datetimeFigureOut">
               <a:rPr lang="en-AU" smtClean="0"/>
-              <a:t>13/09/2023</a:t>
+              <a:t>15/09/2023</a:t>
             </a:fld>
             <a:endParaRPr lang="en-AU"/>
           </a:p>
@@ -1608,7 +1608,7 @@
           <a:p>
             <a:fld id="{09F20D40-57F7-45BB-8884-85123E4C70DB}" type="datetimeFigureOut">
               <a:rPr lang="en-AU" smtClean="0"/>
-              <a:t>13/09/2023</a:t>
+              <a:t>15/09/2023</a:t>
             </a:fld>
             <a:endParaRPr lang="en-AU"/>
           </a:p>
@@ -1975,7 +1975,7 @@
           <a:p>
             <a:fld id="{09F20D40-57F7-45BB-8884-85123E4C70DB}" type="datetimeFigureOut">
               <a:rPr lang="en-AU" smtClean="0"/>
-              <a:t>13/09/2023</a:t>
+              <a:t>15/09/2023</a:t>
             </a:fld>
             <a:endParaRPr lang="en-AU"/>
           </a:p>
@@ -2093,7 +2093,7 @@
           <a:p>
             <a:fld id="{09F20D40-57F7-45BB-8884-85123E4C70DB}" type="datetimeFigureOut">
               <a:rPr lang="en-AU" smtClean="0"/>
-              <a:t>13/09/2023</a:t>
+              <a:t>15/09/2023</a:t>
             </a:fld>
             <a:endParaRPr lang="en-AU"/>
           </a:p>
@@ -2188,7 +2188,7 @@
           <a:p>
             <a:fld id="{09F20D40-57F7-45BB-8884-85123E4C70DB}" type="datetimeFigureOut">
               <a:rPr lang="en-AU" smtClean="0"/>
-              <a:t>13/09/2023</a:t>
+              <a:t>15/09/2023</a:t>
             </a:fld>
             <a:endParaRPr lang="en-AU"/>
           </a:p>
@@ -2465,7 +2465,7 @@
           <a:p>
             <a:fld id="{09F20D40-57F7-45BB-8884-85123E4C70DB}" type="datetimeFigureOut">
               <a:rPr lang="en-AU" smtClean="0"/>
-              <a:t>13/09/2023</a:t>
+              <a:t>15/09/2023</a:t>
             </a:fld>
             <a:endParaRPr lang="en-AU"/>
           </a:p>
@@ -2722,7 +2722,7 @@
           <a:p>
             <a:fld id="{09F20D40-57F7-45BB-8884-85123E4C70DB}" type="datetimeFigureOut">
               <a:rPr lang="en-AU" smtClean="0"/>
-              <a:t>13/09/2023</a:t>
+              <a:t>15/09/2023</a:t>
             </a:fld>
             <a:endParaRPr lang="en-AU"/>
           </a:p>
@@ -2935,7 +2935,7 @@
           <a:p>
             <a:fld id="{09F20D40-57F7-45BB-8884-85123E4C70DB}" type="datetimeFigureOut">
               <a:rPr lang="en-AU" smtClean="0"/>
-              <a:t>13/09/2023</a:t>
+              <a:t>15/09/2023</a:t>
             </a:fld>
             <a:endParaRPr lang="en-AU"/>
           </a:p>
@@ -3345,7 +3345,7 @@
           <p:cNvPr id="8" name="Rectangle 7">
             <a:extLst>
               <a:ext uri="{FF2B5EF4-FFF2-40B4-BE49-F238E27FC236}">
-                <a16:creationId xmlns="" xmlns:a16="http://schemas.microsoft.com/office/drawing/2014/main" id="{583FBC17-A62F-4E87-B8DE-0F79DF4336A0}"/>
+                <a16:creationId xmlns:a16="http://schemas.microsoft.com/office/drawing/2014/main" xmlns="" id="{583FBC17-A62F-4E87-B8DE-0F79DF4336A0}"/>
               </a:ext>
             </a:extLst>
           </p:cNvPr>
@@ -3405,7 +3405,7 @@
           <p:cNvPr id="19" name="Group 18">
             <a:extLst>
               <a:ext uri="{FF2B5EF4-FFF2-40B4-BE49-F238E27FC236}">
-                <a16:creationId xmlns="" xmlns:a16="http://schemas.microsoft.com/office/drawing/2014/main" id="{C587FE1B-2243-4627-BC52-851BDA62444B}"/>
+                <a16:creationId xmlns:a16="http://schemas.microsoft.com/office/drawing/2014/main" xmlns="" id="{C587FE1B-2243-4627-BC52-851BDA62444B}"/>
               </a:ext>
             </a:extLst>
           </p:cNvPr>
@@ -3425,7 +3425,7 @@
             <p:cNvPr id="20" name="Picture 19">
               <a:extLst>
                 <a:ext uri="{FF2B5EF4-FFF2-40B4-BE49-F238E27FC236}">
-                  <a16:creationId xmlns="" xmlns:a16="http://schemas.microsoft.com/office/drawing/2014/main" id="{0F2E3E05-4A48-4C06-BA49-75E2E366C715}"/>
+                  <a16:creationId xmlns:a16="http://schemas.microsoft.com/office/drawing/2014/main" xmlns="" id="{0F2E3E05-4A48-4C06-BA49-75E2E366C715}"/>
                 </a:ext>
               </a:extLst>
             </p:cNvPr>
@@ -3455,7 +3455,7 @@
             <p:cNvPr id="21" name="Freeform 22">
               <a:extLst>
                 <a:ext uri="{FF2B5EF4-FFF2-40B4-BE49-F238E27FC236}">
-                  <a16:creationId xmlns="" xmlns:a16="http://schemas.microsoft.com/office/drawing/2014/main" id="{8413CF68-A7E3-43A0-B613-5438D5382AB1}"/>
+                  <a16:creationId xmlns:a16="http://schemas.microsoft.com/office/drawing/2014/main" xmlns="" id="{8413CF68-A7E3-43A0-B613-5438D5382AB1}"/>
                 </a:ext>
               </a:extLst>
             </p:cNvPr>
@@ -3867,7 +3867,7 @@
           <p:cNvPr id="22" name="TextBox 21">
             <a:extLst>
               <a:ext uri="{FF2B5EF4-FFF2-40B4-BE49-F238E27FC236}">
-                <a16:creationId xmlns="" xmlns:a16="http://schemas.microsoft.com/office/drawing/2014/main" id="{97653B96-F2E2-406B-A513-F42319FDB50F}"/>
+                <a16:creationId xmlns:a16="http://schemas.microsoft.com/office/drawing/2014/main" xmlns="" id="{97653B96-F2E2-406B-A513-F42319FDB50F}"/>
               </a:ext>
             </a:extLst>
           </p:cNvPr>
@@ -3877,7 +3877,7 @@
         <p:spPr>
           <a:xfrm>
             <a:off x="4009532" y="190301"/>
-            <a:ext cx="4293163" cy="369332"/>
+            <a:ext cx="6075702" cy="369332"/>
           </a:xfrm>
           <a:prstGeom prst="rect">
             <a:avLst/>
@@ -3900,7 +3900,31 @@
                 <a:latin typeface="Oxygen" panose="02000503000000000000" pitchFamily="2" charset="0"/>
                 <a:cs typeface="Arial" panose="020B0604020202020204" pitchFamily="34" charset="0"/>
               </a:rPr>
-              <a:t>Introduction to Artificial Intelligence</a:t>
+              <a:t>AI for Everyone: I</a:t>
+            </a:r>
+            <a:r>
+              <a:rPr lang="en-US" b="1" cap="small" dirty="0" smtClean="0">
+                <a:solidFill>
+                  <a:schemeClr val="bg2">
+                    <a:lumMod val="75000"/>
+                  </a:schemeClr>
+                </a:solidFill>
+                <a:latin typeface="Oxygen" panose="02000503000000000000" pitchFamily="2" charset="0"/>
+                <a:cs typeface="Arial" panose="020B0604020202020204" pitchFamily="34" charset="0"/>
+              </a:rPr>
+              <a:t>ntroduction </a:t>
+            </a:r>
+            <a:r>
+              <a:rPr lang="en-US" b="1" cap="small" dirty="0" smtClean="0">
+                <a:solidFill>
+                  <a:schemeClr val="bg2">
+                    <a:lumMod val="75000"/>
+                  </a:schemeClr>
+                </a:solidFill>
+                <a:latin typeface="Oxygen" panose="02000503000000000000" pitchFamily="2" charset="0"/>
+                <a:cs typeface="Arial" panose="020B0604020202020204" pitchFamily="34" charset="0"/>
+              </a:rPr>
+              <a:t>to Artificial Intelligence</a:t>
             </a:r>
             <a:endParaRPr lang="en-AU" b="1" cap="small" dirty="0">
               <a:solidFill>
@@ -3919,7 +3943,7 @@
           <p:cNvPr id="33" name="Rectangle 32">
             <a:extLst>
               <a:ext uri="{FF2B5EF4-FFF2-40B4-BE49-F238E27FC236}">
-                <a16:creationId xmlns="" xmlns:a16="http://schemas.microsoft.com/office/drawing/2014/main" id="{E02B0EB1-C543-469A-90DE-9FA0F478E35F}"/>
+                <a16:creationId xmlns:a16="http://schemas.microsoft.com/office/drawing/2014/main" xmlns="" id="{E02B0EB1-C543-469A-90DE-9FA0F478E35F}"/>
               </a:ext>
             </a:extLst>
           </p:cNvPr>
@@ -4771,7 +4795,7 @@
           <p:cNvPr id="8" name="Rectangle 7">
             <a:extLst>
               <a:ext uri="{FF2B5EF4-FFF2-40B4-BE49-F238E27FC236}">
-                <a16:creationId xmlns="" xmlns:a16="http://schemas.microsoft.com/office/drawing/2014/main" id="{583FBC17-A62F-4E87-B8DE-0F79DF4336A0}"/>
+                <a16:creationId xmlns:a16="http://schemas.microsoft.com/office/drawing/2014/main" xmlns="" id="{583FBC17-A62F-4E87-B8DE-0F79DF4336A0}"/>
               </a:ext>
             </a:extLst>
           </p:cNvPr>
@@ -4831,7 +4855,7 @@
           <p:cNvPr id="19" name="Group 18">
             <a:extLst>
               <a:ext uri="{FF2B5EF4-FFF2-40B4-BE49-F238E27FC236}">
-                <a16:creationId xmlns="" xmlns:a16="http://schemas.microsoft.com/office/drawing/2014/main" id="{C587FE1B-2243-4627-BC52-851BDA62444B}"/>
+                <a16:creationId xmlns:a16="http://schemas.microsoft.com/office/drawing/2014/main" xmlns="" id="{C587FE1B-2243-4627-BC52-851BDA62444B}"/>
               </a:ext>
             </a:extLst>
           </p:cNvPr>
@@ -4851,7 +4875,7 @@
             <p:cNvPr id="20" name="Picture 19">
               <a:extLst>
                 <a:ext uri="{FF2B5EF4-FFF2-40B4-BE49-F238E27FC236}">
-                  <a16:creationId xmlns="" xmlns:a16="http://schemas.microsoft.com/office/drawing/2014/main" id="{0F2E3E05-4A48-4C06-BA49-75E2E366C715}"/>
+                  <a16:creationId xmlns:a16="http://schemas.microsoft.com/office/drawing/2014/main" xmlns="" id="{0F2E3E05-4A48-4C06-BA49-75E2E366C715}"/>
                 </a:ext>
               </a:extLst>
             </p:cNvPr>
@@ -4881,7 +4905,7 @@
             <p:cNvPr id="21" name="Freeform 22">
               <a:extLst>
                 <a:ext uri="{FF2B5EF4-FFF2-40B4-BE49-F238E27FC236}">
-                  <a16:creationId xmlns="" xmlns:a16="http://schemas.microsoft.com/office/drawing/2014/main" id="{8413CF68-A7E3-43A0-B613-5438D5382AB1}"/>
+                  <a16:creationId xmlns:a16="http://schemas.microsoft.com/office/drawing/2014/main" xmlns="" id="{8413CF68-A7E3-43A0-B613-5438D5382AB1}"/>
                 </a:ext>
               </a:extLst>
             </p:cNvPr>
@@ -5293,7 +5317,7 @@
           <p:cNvPr id="22" name="TextBox 21">
             <a:extLst>
               <a:ext uri="{FF2B5EF4-FFF2-40B4-BE49-F238E27FC236}">
-                <a16:creationId xmlns="" xmlns:a16="http://schemas.microsoft.com/office/drawing/2014/main" id="{97653B96-F2E2-406B-A513-F42319FDB50F}"/>
+                <a16:creationId xmlns:a16="http://schemas.microsoft.com/office/drawing/2014/main" xmlns="" id="{97653B96-F2E2-406B-A513-F42319FDB50F}"/>
               </a:ext>
             </a:extLst>
           </p:cNvPr>
@@ -5345,7 +5369,7 @@
           <p:cNvPr id="33" name="Rectangle 32">
             <a:extLst>
               <a:ext uri="{FF2B5EF4-FFF2-40B4-BE49-F238E27FC236}">
-                <a16:creationId xmlns="" xmlns:a16="http://schemas.microsoft.com/office/drawing/2014/main" id="{E02B0EB1-C543-469A-90DE-9FA0F478E35F}"/>
+                <a16:creationId xmlns:a16="http://schemas.microsoft.com/office/drawing/2014/main" xmlns="" id="{E02B0EB1-C543-469A-90DE-9FA0F478E35F}"/>
               </a:ext>
             </a:extLst>
           </p:cNvPr>
@@ -8399,7 +8423,7 @@
           <p:cNvPr id="8" name="Rectangle 7">
             <a:extLst>
               <a:ext uri="{FF2B5EF4-FFF2-40B4-BE49-F238E27FC236}">
-                <a16:creationId xmlns="" xmlns:a16="http://schemas.microsoft.com/office/drawing/2014/main" id="{583FBC17-A62F-4E87-B8DE-0F79DF4336A0}"/>
+                <a16:creationId xmlns:a16="http://schemas.microsoft.com/office/drawing/2014/main" xmlns="" id="{583FBC17-A62F-4E87-B8DE-0F79DF4336A0}"/>
               </a:ext>
             </a:extLst>
           </p:cNvPr>
@@ -8459,7 +8483,7 @@
           <p:cNvPr id="19" name="Group 18">
             <a:extLst>
               <a:ext uri="{FF2B5EF4-FFF2-40B4-BE49-F238E27FC236}">
-                <a16:creationId xmlns="" xmlns:a16="http://schemas.microsoft.com/office/drawing/2014/main" id="{C587FE1B-2243-4627-BC52-851BDA62444B}"/>
+                <a16:creationId xmlns:a16="http://schemas.microsoft.com/office/drawing/2014/main" xmlns="" id="{C587FE1B-2243-4627-BC52-851BDA62444B}"/>
               </a:ext>
             </a:extLst>
           </p:cNvPr>
@@ -8479,7 +8503,7 @@
             <p:cNvPr id="20" name="Picture 19">
               <a:extLst>
                 <a:ext uri="{FF2B5EF4-FFF2-40B4-BE49-F238E27FC236}">
-                  <a16:creationId xmlns="" xmlns:a16="http://schemas.microsoft.com/office/drawing/2014/main" id="{0F2E3E05-4A48-4C06-BA49-75E2E366C715}"/>
+                  <a16:creationId xmlns:a16="http://schemas.microsoft.com/office/drawing/2014/main" xmlns="" id="{0F2E3E05-4A48-4C06-BA49-75E2E366C715}"/>
                 </a:ext>
               </a:extLst>
             </p:cNvPr>
@@ -8509,7 +8533,7 @@
             <p:cNvPr id="21" name="Freeform 22">
               <a:extLst>
                 <a:ext uri="{FF2B5EF4-FFF2-40B4-BE49-F238E27FC236}">
-                  <a16:creationId xmlns="" xmlns:a16="http://schemas.microsoft.com/office/drawing/2014/main" id="{8413CF68-A7E3-43A0-B613-5438D5382AB1}"/>
+                  <a16:creationId xmlns:a16="http://schemas.microsoft.com/office/drawing/2014/main" xmlns="" id="{8413CF68-A7E3-43A0-B613-5438D5382AB1}"/>
                 </a:ext>
               </a:extLst>
             </p:cNvPr>
@@ -8921,7 +8945,7 @@
           <p:cNvPr id="22" name="TextBox 21">
             <a:extLst>
               <a:ext uri="{FF2B5EF4-FFF2-40B4-BE49-F238E27FC236}">
-                <a16:creationId xmlns="" xmlns:a16="http://schemas.microsoft.com/office/drawing/2014/main" id="{97653B96-F2E2-406B-A513-F42319FDB50F}"/>
+                <a16:creationId xmlns:a16="http://schemas.microsoft.com/office/drawing/2014/main" xmlns="" id="{97653B96-F2E2-406B-A513-F42319FDB50F}"/>
               </a:ext>
             </a:extLst>
           </p:cNvPr>
@@ -8973,7 +8997,7 @@
           <p:cNvPr id="33" name="Rectangle 32">
             <a:extLst>
               <a:ext uri="{FF2B5EF4-FFF2-40B4-BE49-F238E27FC236}">
-                <a16:creationId xmlns="" xmlns:a16="http://schemas.microsoft.com/office/drawing/2014/main" id="{E02B0EB1-C543-469A-90DE-9FA0F478E35F}"/>
+                <a16:creationId xmlns:a16="http://schemas.microsoft.com/office/drawing/2014/main" xmlns="" id="{E02B0EB1-C543-469A-90DE-9FA0F478E35F}"/>
               </a:ext>
             </a:extLst>
           </p:cNvPr>
